--- a/class_1_2/class_1_2.pptx
+++ b/class_1_2/class_1_2.pptx
@@ -220,7 +220,7 @@
           <a:p>
             <a:fld id="{9335D302-E8B1-B047-8E5D-EE2D6789D754}" type="datetimeFigureOut">
               <a:rPr lang="en-US" smtClean="0"/>
-              <a:t>5/30/20</a:t>
+              <a:t>6/3/20</a:t>
             </a:fld>
             <a:endParaRPr lang="en-US"/>
           </a:p>
@@ -730,7 +730,7 @@
           <a:p>
             <a:fld id="{FF224E10-0410-AC42-8466-DA740B1169CB}" type="datetimeFigureOut">
               <a:rPr lang="en-US" smtClean="0"/>
-              <a:t>5/30/20</a:t>
+              <a:t>6/3/20</a:t>
             </a:fld>
             <a:endParaRPr lang="en-US"/>
           </a:p>
@@ -928,7 +928,7 @@
           <a:p>
             <a:fld id="{FF224E10-0410-AC42-8466-DA740B1169CB}" type="datetimeFigureOut">
               <a:rPr lang="en-US" smtClean="0"/>
-              <a:t>5/30/20</a:t>
+              <a:t>6/3/20</a:t>
             </a:fld>
             <a:endParaRPr lang="en-US"/>
           </a:p>
@@ -1136,7 +1136,7 @@
           <a:p>
             <a:fld id="{FF224E10-0410-AC42-8466-DA740B1169CB}" type="datetimeFigureOut">
               <a:rPr lang="en-US" smtClean="0"/>
-              <a:t>5/30/20</a:t>
+              <a:t>6/3/20</a:t>
             </a:fld>
             <a:endParaRPr lang="en-US"/>
           </a:p>
@@ -1334,7 +1334,7 @@
           <a:p>
             <a:fld id="{FF224E10-0410-AC42-8466-DA740B1169CB}" type="datetimeFigureOut">
               <a:rPr lang="en-US" smtClean="0"/>
-              <a:t>5/30/20</a:t>
+              <a:t>6/3/20</a:t>
             </a:fld>
             <a:endParaRPr lang="en-US"/>
           </a:p>
@@ -1609,7 +1609,7 @@
           <a:p>
             <a:fld id="{FF224E10-0410-AC42-8466-DA740B1169CB}" type="datetimeFigureOut">
               <a:rPr lang="en-US" smtClean="0"/>
-              <a:t>5/30/20</a:t>
+              <a:t>6/3/20</a:t>
             </a:fld>
             <a:endParaRPr lang="en-US"/>
           </a:p>
@@ -1874,7 +1874,7 @@
           <a:p>
             <a:fld id="{FF224E10-0410-AC42-8466-DA740B1169CB}" type="datetimeFigureOut">
               <a:rPr lang="en-US" smtClean="0"/>
-              <a:t>5/30/20</a:t>
+              <a:t>6/3/20</a:t>
             </a:fld>
             <a:endParaRPr lang="en-US"/>
           </a:p>
@@ -2286,7 +2286,7 @@
           <a:p>
             <a:fld id="{FF224E10-0410-AC42-8466-DA740B1169CB}" type="datetimeFigureOut">
               <a:rPr lang="en-US" smtClean="0"/>
-              <a:t>5/30/20</a:t>
+              <a:t>6/3/20</a:t>
             </a:fld>
             <a:endParaRPr lang="en-US"/>
           </a:p>
@@ -2427,7 +2427,7 @@
           <a:p>
             <a:fld id="{FF224E10-0410-AC42-8466-DA740B1169CB}" type="datetimeFigureOut">
               <a:rPr lang="en-US" smtClean="0"/>
-              <a:t>5/30/20</a:t>
+              <a:t>6/3/20</a:t>
             </a:fld>
             <a:endParaRPr lang="en-US"/>
           </a:p>
@@ -2540,7 +2540,7 @@
           <a:p>
             <a:fld id="{FF224E10-0410-AC42-8466-DA740B1169CB}" type="datetimeFigureOut">
               <a:rPr lang="en-US" smtClean="0"/>
-              <a:t>5/30/20</a:t>
+              <a:t>6/3/20</a:t>
             </a:fld>
             <a:endParaRPr lang="en-US"/>
           </a:p>
@@ -2851,7 +2851,7 @@
           <a:p>
             <a:fld id="{FF224E10-0410-AC42-8466-DA740B1169CB}" type="datetimeFigureOut">
               <a:rPr lang="en-US" smtClean="0"/>
-              <a:t>5/30/20</a:t>
+              <a:t>6/3/20</a:t>
             </a:fld>
             <a:endParaRPr lang="en-US"/>
           </a:p>
@@ -3139,7 +3139,7 @@
           <a:p>
             <a:fld id="{FF224E10-0410-AC42-8466-DA740B1169CB}" type="datetimeFigureOut">
               <a:rPr lang="en-US" smtClean="0"/>
-              <a:t>5/30/20</a:t>
+              <a:t>6/3/20</a:t>
             </a:fld>
             <a:endParaRPr lang="en-US"/>
           </a:p>
@@ -3380,7 +3380,7 @@
           <a:p>
             <a:fld id="{FF224E10-0410-AC42-8466-DA740B1169CB}" type="datetimeFigureOut">
               <a:rPr lang="en-US" smtClean="0"/>
-              <a:t>5/30/20</a:t>
+              <a:t>6/3/20</a:t>
             </a:fld>
             <a:endParaRPr lang="en-US"/>
           </a:p>
@@ -4765,13 +4765,13 @@
               <a:t>https://en.wikipedia.org/wiki/Phred_quality_score</a:t>
             </a:r>
             <a:endParaRPr lang="en-US" sz="1200" dirty="0">
-              <a:hlinkClick r:id=""/>
+              <a:hlinkClick r:id="" action="ppaction://noaction"/>
             </a:endParaRPr>
           </a:p>
           <a:p>
             <a:r>
               <a:rPr lang="en-US" sz="1200" dirty="0">
-                <a:hlinkClick r:id=""/>
+                <a:hlinkClick r:id="" action="ppaction://noaction"/>
               </a:rPr>
               <a:t>https://en.wikipedia.org/wiki/Fred_Flintstone#/media/File:Fred_Flintstone.png</a:t>
             </a:r>
@@ -7871,7 +7871,7 @@
             </a:pPr>
             <a:r>
               <a:rPr lang="en-US" sz="4000" dirty="0"/>
-              <a:t>Download a BAM file from the Thousand Genomes Project</a:t>
+              <a:t>Download a 3 BAM files from the Thousand Genomes Project</a:t>
             </a:r>
           </a:p>
           <a:p>
@@ -7903,7 +7903,15 @@
             </a:pPr>
             <a:r>
               <a:rPr lang="en-US" sz="4000" dirty="0"/>
-              <a:t>Remove the BAM file to free up the space from your home directory</a:t>
+              <a:t>Remove the </a:t>
+            </a:r>
+            <a:r>
+              <a:rPr lang="en-US" sz="4000"/>
+              <a:t>BAM files </a:t>
+            </a:r>
+            <a:r>
+              <a:rPr lang="en-US" sz="4000" dirty="0"/>
+              <a:t>to free up the space from your home directory</a:t>
             </a:r>
           </a:p>
           <a:p>
@@ -8252,7 +8260,9 @@
           </a:xfrm>
         </p:spPr>
         <p:txBody>
-          <a:bodyPr/>
+          <a:bodyPr>
+            <a:normAutofit/>
+          </a:bodyPr>
           <a:lstStyle/>
           <a:p>
             <a:pPr marL="0" indent="0">
@@ -8278,19 +8288,6 @@
             <a:r>
               <a:rPr lang="en-US" dirty="0"/>
               <a:t> create --name class</a:t>
-            </a:r>
-          </a:p>
-          <a:p>
-            <a:pPr marL="0" indent="0">
-              <a:buNone/>
-            </a:pPr>
-            <a:r>
-              <a:rPr lang="en-US" sz="1800" dirty="0">
-                <a:solidFill>
-                  <a:srgbClr val="FF0000"/>
-                </a:solidFill>
-              </a:rPr>
-              <a:t>Will need to do this every time you log onto the supercomputer if you want to use the environment</a:t>
             </a:r>
           </a:p>
           <a:p>
@@ -8327,6 +8324,19 @@
             <a:r>
               <a:rPr lang="en-US" sz="3200" dirty="0"/>
               <a:t> activate class</a:t>
+            </a:r>
+          </a:p>
+          <a:p>
+            <a:pPr marL="0" indent="0">
+              <a:buNone/>
+            </a:pPr>
+            <a:r>
+              <a:rPr lang="en-US" sz="1600" dirty="0">
+                <a:solidFill>
+                  <a:srgbClr val="FF0000"/>
+                </a:solidFill>
+              </a:rPr>
+              <a:t>Will need to do this every time you log onto the supercomputer if you want to use the environment</a:t>
             </a:r>
           </a:p>
           <a:p>
